--- a/ElevatorControlCenter.pptx
+++ b/ElevatorControlCenter.pptx
@@ -111,6 +111,11 @@
       </a:defRPr>
     </a:lvl9pPr>
   </p:defaultTextStyle>
+  <p:extLst>
+    <p:ext uri="{EFAFB233-063F-42B5-8137-9DF3F51BA10A}">
+      <p15:sldGuideLst xmlns:p15="http://schemas.microsoft.com/office/powerpoint/2012/main"/>
+    </p:ext>
+  </p:extLst>
 </p:presentation>
 </file>
 
@@ -4851,25 +4856,13 @@
           <a:p>
             <a:r>
               <a:rPr lang="en-US" dirty="0"/>
-              <a:t>In-depth code reviews save time later</a:t>
-            </a:r>
-          </a:p>
-          <a:p>
-            <a:r>
-              <a:rPr lang="en-US" dirty="0"/>
-              <a:t>Ape together </a:t>
-            </a:r>
-            <a:r>
-              <a:rPr lang="en-US" dirty="0" err="1"/>
-              <a:t>stronk</a:t>
-            </a:r>
-            <a:r>
-              <a:rPr lang="en-US" dirty="0"/>
-              <a:t> </a:t>
-            </a:r>
-          </a:p>
-          <a:p>
-            <a:endParaRPr lang="en-AT" dirty="0"/>
+              <a:t>In-depth code reviews save </a:t>
+            </a:r>
+            <a:r>
+              <a:rPr lang="en-US"/>
+              <a:t>time later</a:t>
+            </a:r>
+            <a:endParaRPr lang="en-US" dirty="0"/>
           </a:p>
         </p:txBody>
       </p:sp>

--- a/ElevatorControlCenter.pptx
+++ b/ElevatorControlCenter.pptx
@@ -345,7 +345,7 @@
           <a:p>
             <a:fld id="{457AF2A6-8064-44E2-848C-489D3C5FB798}" type="datetimeFigureOut">
               <a:rPr lang="en-AT" smtClean="0"/>
-              <a:t>25/01/2023</a:t>
+              <a:t>01/26/2023</a:t>
             </a:fld>
             <a:endParaRPr lang="en-AT"/>
           </a:p>
@@ -553,7 +553,7 @@
           <a:p>
             <a:fld id="{457AF2A6-8064-44E2-848C-489D3C5FB798}" type="datetimeFigureOut">
               <a:rPr lang="en-AT" smtClean="0"/>
-              <a:t>25/01/2023</a:t>
+              <a:t>01/26/2023</a:t>
             </a:fld>
             <a:endParaRPr lang="en-AT"/>
           </a:p>
@@ -809,7 +809,7 @@
           <a:p>
             <a:fld id="{457AF2A6-8064-44E2-848C-489D3C5FB798}" type="datetimeFigureOut">
               <a:rPr lang="en-AT" smtClean="0"/>
-              <a:t>25/01/2023</a:t>
+              <a:t>01/26/2023</a:t>
             </a:fld>
             <a:endParaRPr lang="en-AT"/>
           </a:p>
@@ -983,7 +983,7 @@
           <a:p>
             <a:fld id="{457AF2A6-8064-44E2-848C-489D3C5FB798}" type="datetimeFigureOut">
               <a:rPr lang="en-AT" smtClean="0"/>
-              <a:t>25/01/2023</a:t>
+              <a:t>01/26/2023</a:t>
             </a:fld>
             <a:endParaRPr lang="en-AT"/>
           </a:p>
@@ -1326,7 +1326,7 @@
           <a:p>
             <a:fld id="{457AF2A6-8064-44E2-848C-489D3C5FB798}" type="datetimeFigureOut">
               <a:rPr lang="en-AT" smtClean="0"/>
-              <a:t>25/01/2023</a:t>
+              <a:t>01/26/2023</a:t>
             </a:fld>
             <a:endParaRPr lang="en-AT"/>
           </a:p>
@@ -1601,7 +1601,7 @@
           <a:p>
             <a:fld id="{457AF2A6-8064-44E2-848C-489D3C5FB798}" type="datetimeFigureOut">
               <a:rPr lang="en-AT" smtClean="0"/>
-              <a:t>25/01/2023</a:t>
+              <a:t>01/26/2023</a:t>
             </a:fld>
             <a:endParaRPr lang="en-AT"/>
           </a:p>
@@ -1980,7 +1980,7 @@
           <a:p>
             <a:fld id="{457AF2A6-8064-44E2-848C-489D3C5FB798}" type="datetimeFigureOut">
               <a:rPr lang="en-AT" smtClean="0"/>
-              <a:t>25/01/2023</a:t>
+              <a:t>01/26/2023</a:t>
             </a:fld>
             <a:endParaRPr lang="en-AT"/>
           </a:p>
@@ -2098,7 +2098,7 @@
           <a:p>
             <a:fld id="{457AF2A6-8064-44E2-848C-489D3C5FB798}" type="datetimeFigureOut">
               <a:rPr lang="en-AT" smtClean="0"/>
-              <a:t>25/01/2023</a:t>
+              <a:t>01/26/2023</a:t>
             </a:fld>
             <a:endParaRPr lang="en-AT"/>
           </a:p>
@@ -2269,7 +2269,7 @@
           <a:p>
             <a:fld id="{457AF2A6-8064-44E2-848C-489D3C5FB798}" type="datetimeFigureOut">
               <a:rPr lang="en-AT" smtClean="0"/>
-              <a:t>25/01/2023</a:t>
+              <a:t>01/26/2023</a:t>
             </a:fld>
             <a:endParaRPr lang="en-AT"/>
           </a:p>
@@ -2623,7 +2623,7 @@
           <a:p>
             <a:fld id="{457AF2A6-8064-44E2-848C-489D3C5FB798}" type="datetimeFigureOut">
               <a:rPr lang="en-AT" smtClean="0"/>
-              <a:t>25/01/2023</a:t>
+              <a:t>01/26/2023</a:t>
             </a:fld>
             <a:endParaRPr lang="en-AT"/>
           </a:p>
@@ -3005,7 +3005,7 @@
           <a:p>
             <a:fld id="{457AF2A6-8064-44E2-848C-489D3C5FB798}" type="datetimeFigureOut">
               <a:rPr lang="en-AT" smtClean="0"/>
-              <a:t>25/01/2023</a:t>
+              <a:t>01/26/2023</a:t>
             </a:fld>
             <a:endParaRPr lang="en-AT"/>
           </a:p>
@@ -3292,7 +3292,7 @@
           <a:p>
             <a:fld id="{457AF2A6-8064-44E2-848C-489D3C5FB798}" type="datetimeFigureOut">
               <a:rPr lang="en-AT" smtClean="0"/>
-              <a:t>25/01/2023</a:t>
+              <a:t>01/26/2023</a:t>
             </a:fld>
             <a:endParaRPr lang="en-AT"/>
           </a:p>
@@ -4767,25 +4767,31 @@
           <a:p>
             <a:r>
               <a:rPr lang="en-US" dirty="0"/>
-              <a:t>Bug(s) in elevator </a:t>
+              <a:t>Bug(s) in elevator simulator</a:t>
+            </a:r>
+          </a:p>
+          <a:p>
+            <a:r>
+              <a:rPr lang="en-US" dirty="0"/>
+              <a:t>Incomplete requirements (serviced floors)</a:t>
+            </a:r>
+          </a:p>
+          <a:p>
+            <a:r>
+              <a:rPr lang="en-US" dirty="0"/>
+              <a:t>Various timing issues in GUI tests</a:t>
+            </a:r>
+          </a:p>
+          <a:p>
+            <a:r>
+              <a:rPr lang="en-US" dirty="0"/>
+              <a:t>Logger causing security vulnerability in </a:t>
             </a:r>
             <a:r>
               <a:rPr lang="en-US" dirty="0" err="1"/>
-              <a:t>simulater</a:t>
+              <a:t>SonarCloud</a:t>
             </a:r>
             <a:endParaRPr lang="en-US" dirty="0"/>
-          </a:p>
-          <a:p>
-            <a:r>
-              <a:rPr lang="en-US" dirty="0"/>
-              <a:t>Incomplete requirements (serviced floors)</a:t>
-            </a:r>
-          </a:p>
-          <a:p>
-            <a:r>
-              <a:rPr lang="en-US" dirty="0"/>
-              <a:t>Various timing issues in GUI tests</a:t>
-            </a:r>
           </a:p>
           <a:p>
             <a:endParaRPr lang="en-AT" dirty="0"/>
